--- a/CBP專案/帳單API/帳單API_part1_待合併至已抵扣(不包含Draft).pptx
+++ b/CBP專案/帳單API/帳單API_part1_待合併至已抵扣(不包含Draft).pptx
@@ -268,7 +268,7 @@
           <a:p>
             <a:fld id="{6C7F2551-9F6C-44B5-880F-AA7CE6DE8A99}" type="datetimeFigureOut">
               <a:rPr lang="zh-TW" altLang="en-US" smtClean="0"/>
-              <a:t>2023/3/23</a:t>
+              <a:t>2023/3/24</a:t>
             </a:fld>
             <a:endParaRPr lang="zh-TW" altLang="en-US"/>
           </a:p>
@@ -466,7 +466,7 @@
           <a:p>
             <a:fld id="{6C7F2551-9F6C-44B5-880F-AA7CE6DE8A99}" type="datetimeFigureOut">
               <a:rPr lang="zh-TW" altLang="en-US" smtClean="0"/>
-              <a:t>2023/3/23</a:t>
+              <a:t>2023/3/24</a:t>
             </a:fld>
             <a:endParaRPr lang="zh-TW" altLang="en-US"/>
           </a:p>
@@ -674,7 +674,7 @@
           <a:p>
             <a:fld id="{6C7F2551-9F6C-44B5-880F-AA7CE6DE8A99}" type="datetimeFigureOut">
               <a:rPr lang="zh-TW" altLang="en-US" smtClean="0"/>
-              <a:t>2023/3/23</a:t>
+              <a:t>2023/3/24</a:t>
             </a:fld>
             <a:endParaRPr lang="zh-TW" altLang="en-US"/>
           </a:p>
@@ -872,7 +872,7 @@
           <a:p>
             <a:fld id="{6C7F2551-9F6C-44B5-880F-AA7CE6DE8A99}" type="datetimeFigureOut">
               <a:rPr lang="zh-TW" altLang="en-US" smtClean="0"/>
-              <a:t>2023/3/23</a:t>
+              <a:t>2023/3/24</a:t>
             </a:fld>
             <a:endParaRPr lang="zh-TW" altLang="en-US"/>
           </a:p>
@@ -1147,7 +1147,7 @@
           <a:p>
             <a:fld id="{6C7F2551-9F6C-44B5-880F-AA7CE6DE8A99}" type="datetimeFigureOut">
               <a:rPr lang="zh-TW" altLang="en-US" smtClean="0"/>
-              <a:t>2023/3/23</a:t>
+              <a:t>2023/3/24</a:t>
             </a:fld>
             <a:endParaRPr lang="zh-TW" altLang="en-US"/>
           </a:p>
@@ -1412,7 +1412,7 @@
           <a:p>
             <a:fld id="{6C7F2551-9F6C-44B5-880F-AA7CE6DE8A99}" type="datetimeFigureOut">
               <a:rPr lang="zh-TW" altLang="en-US" smtClean="0"/>
-              <a:t>2023/3/23</a:t>
+              <a:t>2023/3/24</a:t>
             </a:fld>
             <a:endParaRPr lang="zh-TW" altLang="en-US"/>
           </a:p>
@@ -1824,7 +1824,7 @@
           <a:p>
             <a:fld id="{6C7F2551-9F6C-44B5-880F-AA7CE6DE8A99}" type="datetimeFigureOut">
               <a:rPr lang="zh-TW" altLang="en-US" smtClean="0"/>
-              <a:t>2023/3/23</a:t>
+              <a:t>2023/3/24</a:t>
             </a:fld>
             <a:endParaRPr lang="zh-TW" altLang="en-US"/>
           </a:p>
@@ -1965,7 +1965,7 @@
           <a:p>
             <a:fld id="{6C7F2551-9F6C-44B5-880F-AA7CE6DE8A99}" type="datetimeFigureOut">
               <a:rPr lang="zh-TW" altLang="en-US" smtClean="0"/>
-              <a:t>2023/3/23</a:t>
+              <a:t>2023/3/24</a:t>
             </a:fld>
             <a:endParaRPr lang="zh-TW" altLang="en-US"/>
           </a:p>
@@ -2078,7 +2078,7 @@
           <a:p>
             <a:fld id="{6C7F2551-9F6C-44B5-880F-AA7CE6DE8A99}" type="datetimeFigureOut">
               <a:rPr lang="zh-TW" altLang="en-US" smtClean="0"/>
-              <a:t>2023/3/23</a:t>
+              <a:t>2023/3/24</a:t>
             </a:fld>
             <a:endParaRPr lang="zh-TW" altLang="en-US"/>
           </a:p>
@@ -2389,7 +2389,7 @@
           <a:p>
             <a:fld id="{6C7F2551-9F6C-44B5-880F-AA7CE6DE8A99}" type="datetimeFigureOut">
               <a:rPr lang="zh-TW" altLang="en-US" smtClean="0"/>
-              <a:t>2023/3/23</a:t>
+              <a:t>2023/3/24</a:t>
             </a:fld>
             <a:endParaRPr lang="zh-TW" altLang="en-US"/>
           </a:p>
@@ -2677,7 +2677,7 @@
           <a:p>
             <a:fld id="{6C7F2551-9F6C-44B5-880F-AA7CE6DE8A99}" type="datetimeFigureOut">
               <a:rPr lang="zh-TW" altLang="en-US" smtClean="0"/>
-              <a:t>2023/3/23</a:t>
+              <a:t>2023/3/24</a:t>
             </a:fld>
             <a:endParaRPr lang="zh-TW" altLang="en-US"/>
           </a:p>
@@ -2918,7 +2918,7 @@
           <a:p>
             <a:fld id="{6C7F2551-9F6C-44B5-880F-AA7CE6DE8A99}" type="datetimeFigureOut">
               <a:rPr lang="zh-TW" altLang="en-US" smtClean="0"/>
-              <a:t>2023/3/23</a:t>
+              <a:t>2023/3/24</a:t>
             </a:fld>
             <a:endParaRPr lang="zh-TW" altLang="en-US"/>
           </a:p>
@@ -3515,8 +3515,8 @@
         </p:nvSpPr>
         <p:spPr>
           <a:xfrm>
-            <a:off x="2117912" y="3782235"/>
-            <a:ext cx="7761195" cy="369332"/>
+            <a:off x="2117913" y="3782235"/>
+            <a:ext cx="6766112" cy="369332"/>
           </a:xfrm>
           <a:prstGeom prst="rect">
             <a:avLst/>
@@ -3536,7 +3536,7 @@
           <a:p>
             <a:r>
               <a:rPr lang="zh-TW" altLang="en-US" dirty="0"/>
-              <a:t>http://localhost:8000/api/v1/getBillMaster&amp;BillDetailWithCBData/Status=INITIAL</a:t>
+              <a:t>http://localhost:8000/api/v1/getBillMaster&amp;BillDetail/Status=INITIAL</a:t>
             </a:r>
           </a:p>
         </p:txBody>
@@ -3611,8 +3611,8 @@
         </p:nvCxnSpPr>
         <p:spPr>
           <a:xfrm rot="16200000" flipH="1">
-            <a:off x="937924" y="2786912"/>
-            <a:ext cx="1887089" cy="472888"/>
+            <a:off x="937924" y="2786911"/>
+            <a:ext cx="1887089" cy="472889"/>
           </a:xfrm>
           <a:prstGeom prst="bentConnector2">
             <a:avLst/>
@@ -3674,7 +3674,19 @@
           <a:p>
             <a:r>
               <a:rPr lang="zh-TW" altLang="en-US" dirty="0"/>
-              <a:t>http://localhost:8000/api/v1/getBillMaster&amp;BillDetailWithCBData/Status=</a:t>
+              <a:t>http://localhost:8000/api/v1/</a:t>
+            </a:r>
+            <a:r>
+              <a:rPr lang="en-US" altLang="zh-TW" dirty="0"/>
+              <a:t> </a:t>
+            </a:r>
+            <a:r>
+              <a:rPr lang="en-US" altLang="zh-TW" dirty="0" err="1"/>
+              <a:t>getBillMaster&amp;BillDetailWithCBData</a:t>
+            </a:r>
+            <a:r>
+              <a:rPr lang="zh-TW" altLang="en-US" dirty="0"/>
+              <a:t>/Status=</a:t>
             </a:r>
             <a:r>
               <a:rPr lang="en-US" altLang="zh-TW" dirty="0"/>
@@ -3800,7 +3812,7 @@
         <p:spPr>
           <a:xfrm>
             <a:off x="2117912" y="4929813"/>
-            <a:ext cx="7761195" cy="369332"/>
+            <a:ext cx="6766113" cy="369332"/>
           </a:xfrm>
           <a:prstGeom prst="rect">
             <a:avLst/>
@@ -3820,7 +3832,7 @@
           <a:p>
             <a:r>
               <a:rPr lang="zh-TW" altLang="en-US" dirty="0"/>
-              <a:t>http://localhost:8000/api/v1/getBillMaster&amp;BillDetailWithCBData/Status=</a:t>
+              <a:t>http://localhost:8000/api/v1/getBillMaster&amp;BillDetail/Status=</a:t>
             </a:r>
             <a:r>
               <a:rPr lang="en-US" altLang="zh-TW" dirty="0"/>
@@ -3906,7 +3918,7 @@
           <a:prstGeom prst="bentConnector4">
             <a:avLst>
               <a:gd name="adj1" fmla="val 46957"/>
-              <a:gd name="adj2" fmla="val 339388"/>
+              <a:gd name="adj2" fmla="val 141633"/>
             </a:avLst>
           </a:prstGeom>
           <a:ln>
@@ -3945,8 +3957,8 @@
         </p:nvSpPr>
         <p:spPr>
           <a:xfrm>
-            <a:off x="2136963" y="5503602"/>
-            <a:ext cx="7814757" cy="369332"/>
+            <a:off x="2136964" y="5503602"/>
+            <a:ext cx="6747062" cy="369332"/>
           </a:xfrm>
           <a:prstGeom prst="rect">
             <a:avLst/>
@@ -3966,7 +3978,7 @@
           <a:p>
             <a:r>
               <a:rPr lang="zh-TW" altLang="en-US" dirty="0"/>
-              <a:t>http://localhost:8000/api/v1/getBillMaster&amp;BillDetailWithCBData/Status=</a:t>
+              <a:t>http://localhost:8000/api/v1/getBillMaster&amp;BillDetail/Status=</a:t>
             </a:r>
             <a:r>
               <a:rPr lang="en-US" altLang="zh-TW" dirty="0"/>
@@ -4045,19 +4057,267 @@
         </p:nvCxnSpPr>
         <p:spPr>
           <a:xfrm rot="5400000">
-            <a:off x="855273" y="3361502"/>
-            <a:ext cx="3608457" cy="1045075"/>
+            <a:off x="855274" y="3361501"/>
+            <a:ext cx="3608458" cy="1045077"/>
           </a:xfrm>
           <a:prstGeom prst="bentConnector4">
             <a:avLst>
-              <a:gd name="adj1" fmla="val 43640"/>
-              <a:gd name="adj2" fmla="val 121874"/>
+              <a:gd name="adj1" fmla="val 44460"/>
+              <a:gd name="adj2" fmla="val 214517"/>
             </a:avLst>
           </a:prstGeom>
           <a:ln>
             <a:solidFill>
               <a:srgbClr val="FF0000"/>
             </a:solidFill>
+            <a:tailEnd type="triangle"/>
+          </a:ln>
+        </p:spPr>
+        <p:style>
+          <a:lnRef idx="1">
+            <a:schemeClr val="accent1"/>
+          </a:lnRef>
+          <a:fillRef idx="0">
+            <a:schemeClr val="accent1"/>
+          </a:fillRef>
+          <a:effectRef idx="0">
+            <a:schemeClr val="accent1"/>
+          </a:effectRef>
+          <a:fontRef idx="minor">
+            <a:schemeClr val="tx1"/>
+          </a:fontRef>
+        </p:style>
+      </p:cxnSp>
+      <p:cxnSp>
+        <p:nvCxnSpPr>
+          <p:cNvPr id="18" name="接點: 肘形 17">
+            <a:extLst>
+              <a:ext uri="{FF2B5EF4-FFF2-40B4-BE49-F238E27FC236}">
+                <a16:creationId xmlns:a16="http://schemas.microsoft.com/office/drawing/2014/main" id="{84B55A83-9296-4A6C-A8C2-4612C7FC39CB}"/>
+              </a:ext>
+            </a:extLst>
+          </p:cNvPr>
+          <p:cNvCxnSpPr>
+            <a:cxnSpLocks/>
+            <a:stCxn id="32" idx="1"/>
+            <a:endCxn id="25" idx="3"/>
+          </p:cNvCxnSpPr>
+          <p:nvPr/>
+        </p:nvCxnSpPr>
+        <p:spPr>
+          <a:xfrm rot="10800000" flipV="1">
+            <a:off x="8884027" y="4945868"/>
+            <a:ext cx="1953399" cy="742400"/>
+          </a:xfrm>
+          <a:prstGeom prst="bentConnector3">
+            <a:avLst>
+              <a:gd name="adj1" fmla="val 50000"/>
+            </a:avLst>
+          </a:prstGeom>
+        </p:spPr>
+        <p:style>
+          <a:lnRef idx="1">
+            <a:schemeClr val="accent1"/>
+          </a:lnRef>
+          <a:fillRef idx="0">
+            <a:schemeClr val="accent1"/>
+          </a:fillRef>
+          <a:effectRef idx="0">
+            <a:schemeClr val="accent1"/>
+          </a:effectRef>
+          <a:fontRef idx="minor">
+            <a:schemeClr val="tx1"/>
+          </a:fontRef>
+        </p:style>
+      </p:cxnSp>
+      <p:cxnSp>
+        <p:nvCxnSpPr>
+          <p:cNvPr id="23" name="接點: 肘形 22">
+            <a:extLst>
+              <a:ext uri="{FF2B5EF4-FFF2-40B4-BE49-F238E27FC236}">
+                <a16:creationId xmlns:a16="http://schemas.microsoft.com/office/drawing/2014/main" id="{75C3538C-980C-4488-B3A7-741722EEF9E3}"/>
+              </a:ext>
+            </a:extLst>
+          </p:cNvPr>
+          <p:cNvCxnSpPr>
+            <a:cxnSpLocks/>
+            <a:stCxn id="19" idx="3"/>
+            <a:endCxn id="32" idx="1"/>
+          </p:cNvCxnSpPr>
+          <p:nvPr/>
+        </p:nvCxnSpPr>
+        <p:spPr>
+          <a:xfrm flipV="1">
+            <a:off x="8884025" y="4945868"/>
+            <a:ext cx="1953400" cy="168611"/>
+          </a:xfrm>
+          <a:prstGeom prst="bentConnector3">
+            <a:avLst/>
+          </a:prstGeom>
+          <a:ln>
+            <a:tailEnd type="triangle"/>
+          </a:ln>
+        </p:spPr>
+        <p:style>
+          <a:lnRef idx="1">
+            <a:schemeClr val="accent1"/>
+          </a:lnRef>
+          <a:fillRef idx="0">
+            <a:schemeClr val="accent1"/>
+          </a:fillRef>
+          <a:effectRef idx="0">
+            <a:schemeClr val="accent1"/>
+          </a:effectRef>
+          <a:fontRef idx="minor">
+            <a:schemeClr val="tx1"/>
+          </a:fontRef>
+        </p:style>
+      </p:cxnSp>
+      <p:sp>
+        <p:nvSpPr>
+          <p:cNvPr id="32" name="文字方塊 31">
+            <a:extLst>
+              <a:ext uri="{FF2B5EF4-FFF2-40B4-BE49-F238E27FC236}">
+                <a16:creationId xmlns:a16="http://schemas.microsoft.com/office/drawing/2014/main" id="{59BB60E2-3FF2-49F7-B946-655C7DDCB344}"/>
+              </a:ext>
+            </a:extLst>
+          </p:cNvPr>
+          <p:cNvSpPr txBox="1"/>
+          <p:nvPr/>
+        </p:nvSpPr>
+        <p:spPr>
+          <a:xfrm>
+            <a:off x="10837425" y="3884039"/>
+            <a:ext cx="1489046" cy="2123658"/>
+          </a:xfrm>
+          <a:prstGeom prst="rect">
+            <a:avLst/>
+          </a:prstGeom>
+          <a:noFill/>
+          <a:ln>
+            <a:solidFill>
+              <a:schemeClr val="tx1"/>
+            </a:solidFill>
+          </a:ln>
+        </p:spPr>
+        <p:txBody>
+          <a:bodyPr wrap="square">
+            <a:spAutoFit/>
+          </a:bodyPr>
+          <a:lstStyle/>
+          <a:p>
+            <a:r>
+              <a:rPr lang="zh-TW" altLang="en-US" sz="1200" dirty="0"/>
+              <a:t>[</a:t>
+            </a:r>
+          </a:p>
+          <a:p>
+            <a:r>
+              <a:rPr lang="zh-TW" altLang="en-US" sz="1200" dirty="0"/>
+              <a:t>    {</a:t>
+            </a:r>
+          </a:p>
+          <a:p>
+            <a:r>
+              <a:rPr lang="zh-TW" altLang="en-US" sz="1200" dirty="0"/>
+              <a:t>        "BillMaster": {</a:t>
+            </a:r>
+            <a:r>
+              <a:rPr lang="en-US" altLang="zh-TW" sz="1200" dirty="0"/>
+              <a:t>…</a:t>
+            </a:r>
+            <a:r>
+              <a:rPr lang="zh-TW" altLang="en-US" sz="1200" dirty="0"/>
+              <a:t>},</a:t>
+            </a:r>
+          </a:p>
+          <a:p>
+            <a:r>
+              <a:rPr lang="zh-TW" altLang="en-US" sz="1200" dirty="0"/>
+              <a:t>        "BillDetail": [</a:t>
+            </a:r>
+            <a:endParaRPr lang="en-US" altLang="zh-TW" sz="1200" dirty="0"/>
+          </a:p>
+          <a:p>
+            <a:r>
+              <a:rPr lang="zh-TW" altLang="en-US" sz="1200" dirty="0"/>
+              <a:t>            </a:t>
+            </a:r>
+            <a:r>
+              <a:rPr lang="en-US" altLang="zh-TW" sz="1200" dirty="0"/>
+              <a:t>{…},</a:t>
+            </a:r>
+          </a:p>
+          <a:p>
+            <a:r>
+              <a:rPr lang="en-US" altLang="zh-TW" sz="1200" dirty="0"/>
+              <a:t>            {…}</a:t>
+            </a:r>
+            <a:endParaRPr lang="zh-TW" altLang="en-US" sz="1200" dirty="0"/>
+          </a:p>
+          <a:p>
+            <a:r>
+              <a:rPr lang="zh-TW" altLang="en-US" sz="1200" dirty="0"/>
+              <a:t>        ]</a:t>
+            </a:r>
+          </a:p>
+          <a:p>
+            <a:r>
+              <a:rPr lang="zh-TW" altLang="en-US" sz="1200" dirty="0"/>
+              <a:t>    }</a:t>
+            </a:r>
+            <a:r>
+              <a:rPr lang="en-US" altLang="zh-TW" sz="1200" dirty="0"/>
+              <a:t>,</a:t>
+            </a:r>
+          </a:p>
+          <a:p>
+            <a:r>
+              <a:rPr lang="en-US" altLang="zh-TW" sz="1200" dirty="0"/>
+              <a:t>    {…},</a:t>
+            </a:r>
+          </a:p>
+          <a:p>
+            <a:r>
+              <a:rPr lang="en-US" altLang="zh-TW" sz="1200" dirty="0"/>
+              <a:t>    {…}</a:t>
+            </a:r>
+            <a:endParaRPr lang="zh-TW" altLang="en-US" sz="1200" dirty="0"/>
+          </a:p>
+          <a:p>
+            <a:r>
+              <a:rPr lang="zh-TW" altLang="en-US" sz="1200" dirty="0"/>
+              <a:t>]</a:t>
+            </a:r>
+          </a:p>
+        </p:txBody>
+      </p:sp>
+      <p:cxnSp>
+        <p:nvCxnSpPr>
+          <p:cNvPr id="41" name="接點: 肘形 40">
+            <a:extLst>
+              <a:ext uri="{FF2B5EF4-FFF2-40B4-BE49-F238E27FC236}">
+                <a16:creationId xmlns:a16="http://schemas.microsoft.com/office/drawing/2014/main" id="{7278D548-EF66-4EC7-A983-0D5B3560E14A}"/>
+              </a:ext>
+            </a:extLst>
+          </p:cNvPr>
+          <p:cNvCxnSpPr>
+            <a:stCxn id="7" idx="3"/>
+            <a:endCxn id="32" idx="1"/>
+          </p:cNvCxnSpPr>
+          <p:nvPr/>
+        </p:nvCxnSpPr>
+        <p:spPr>
+          <a:xfrm>
+            <a:off x="8884025" y="3966901"/>
+            <a:ext cx="1953400" cy="978967"/>
+          </a:xfrm>
+          <a:prstGeom prst="bentConnector3">
+            <a:avLst>
+              <a:gd name="adj1" fmla="val 71570"/>
+            </a:avLst>
+          </a:prstGeom>
+          <a:ln>
             <a:tailEnd type="triangle"/>
           </a:ln>
         </p:spPr>
